--- a/Basketball Team Management Slide.pptx
+++ b/Basketball Team Management Slide.pptx
@@ -12,8 +12,8 @@
   </p:handoutMasterIdLst>
   <p:sldIdLst>
     <p:sldId id="368" r:id="rId3"/>
-    <p:sldId id="369" r:id="rId4"/>
-    <p:sldId id="370" r:id="rId5"/>
+    <p:sldId id="370" r:id="rId4"/>
+    <p:sldId id="369" r:id="rId5"/>
     <p:sldId id="371" r:id="rId6"/>
     <p:sldId id="372" r:id="rId7"/>
     <p:sldId id="373" r:id="rId8"/>
@@ -4092,6 +4092,420 @@
       <p:grpSpPr/>
       <p:sp>
         <p:nvSpPr>
+          <p:cNvPr id="3" name="Text Placeholder 2"/>
+          <p:cNvSpPr>
+            <a:spLocks noGrp="1"/>
+          </p:cNvSpPr>
+          <p:nvPr>
+            <p:ph type="body" sz="quarter" idx="10"/>
+          </p:nvPr>
+        </p:nvSpPr>
+        <p:spPr/>
+        <p:txBody>
+          <a:bodyPr/>
+          <a:p>
+            <a:endParaRPr lang="en-US"/>
+          </a:p>
+        </p:txBody>
+      </p:sp>
+      <p:sp>
+        <p:nvSpPr>
+          <p:cNvPr id="4" name="Title 3"/>
+          <p:cNvSpPr>
+            <a:spLocks noGrp="1"/>
+          </p:cNvSpPr>
+          <p:nvPr>
+            <p:ph type="title"/>
+          </p:nvPr>
+        </p:nvSpPr>
+        <p:spPr/>
+        <p:txBody>
+          <a:bodyPr>
+            <a:noAutofit/>
+          </a:bodyPr>
+          <a:p>
+            <a:r>
+              <a:rPr lang="en-US" sz="2800"/>
+              <a:t>Entity Relationship Diagram</a:t>
+            </a:r>
+            <a:endParaRPr lang="en-US" sz="2800"/>
+          </a:p>
+        </p:txBody>
+      </p:sp>
+      <p:pic>
+        <p:nvPicPr>
+          <p:cNvPr id="5" name="Content Placeholder 4" descr="Basketball Team Management.drawio"/>
+          <p:cNvPicPr>
+            <a:picLocks noChangeAspect="1"/>
+          </p:cNvPicPr>
+          <p:nvPr>
+            <p:ph idx="1"/>
+          </p:nvPr>
+        </p:nvPicPr>
+        <p:blipFill>
+          <a:blip r:embed="rId1"/>
+          <a:stretch>
+            <a:fillRect/>
+          </a:stretch>
+        </p:blipFill>
+        <p:spPr>
+          <a:xfrm>
+            <a:off x="-1270" y="0"/>
+            <a:ext cx="9145270" cy="5715000"/>
+          </a:xfrm>
+          <a:prstGeom prst="rect">
+            <a:avLst/>
+          </a:prstGeom>
+        </p:spPr>
+      </p:pic>
+    </p:spTree>
+  </p:cSld>
+  <p:clrMapOvr>
+    <a:masterClrMapping/>
+  </p:clrMapOvr>
+  <p:timing>
+    <p:tnLst>
+      <p:par>
+        <p:cTn id="1" dur="indefinite" restart="never" nodeType="tmRoot">
+          <p:childTnLst>
+            <p:seq concurrent="1" nextAc="seek">
+              <p:cTn id="2" dur="indefinite" nodeType="mainSeq">
+                <p:childTnLst>
+                  <p:par>
+                    <p:cTn id="3" fill="hold">
+                      <p:stCondLst>
+                        <p:cond delay="indefinite"/>
+                        <p:cond evt="onBegin" delay="0">
+                          <p:tn val="2"/>
+                        </p:cond>
+                      </p:stCondLst>
+                      <p:childTnLst>
+                        <p:par>
+                          <p:cTn id="4" fill="hold">
+                            <p:stCondLst>
+                              <p:cond delay="0"/>
+                            </p:stCondLst>
+                            <p:childTnLst>
+                              <p:par>
+                                <p:cTn id="5" presetID="39" presetClass="entr" presetSubtype="0" accel="100000" fill="hold" grpId="4" nodeType="afterEffect">
+                                  <p:stCondLst>
+                                    <p:cond delay="0"/>
+                                  </p:stCondLst>
+                                  <p:childTnLst>
+                                    <p:set>
+                                      <p:cBhvr>
+                                        <p:cTn id="6" dur="1" fill="hold">
+                                          <p:stCondLst>
+                                            <p:cond delay="0"/>
+                                          </p:stCondLst>
+                                        </p:cTn>
+                                        <p:tgtEl>
+                                          <p:spTgt spid="4"/>
+                                        </p:tgtEl>
+                                        <p:attrNameLst>
+                                          <p:attrName>style.visibility</p:attrName>
+                                        </p:attrNameLst>
+                                      </p:cBhvr>
+                                      <p:to>
+                                        <p:strVal val="visible"/>
+                                      </p:to>
+                                    </p:set>
+                                    <p:anim calcmode="lin" valueType="num">
+                                      <p:cBhvr>
+                                        <p:cTn id="7" dur="500" fill="hold"/>
+                                        <p:tgtEl>
+                                          <p:spTgt spid="4"/>
+                                        </p:tgtEl>
+                                        <p:attrNameLst>
+                                          <p:attrName>ppt_h</p:attrName>
+                                        </p:attrNameLst>
+                                      </p:cBhvr>
+                                      <p:tavLst>
+                                        <p:tav tm="0">
+                                          <p:val>
+                                            <p:strVal val="#ppt_h/20"/>
+                                          </p:val>
+                                        </p:tav>
+                                        <p:tav tm="50000">
+                                          <p:val>
+                                            <p:strVal val="#ppt_h/20"/>
+                                          </p:val>
+                                        </p:tav>
+                                        <p:tav tm="100000">
+                                          <p:val>
+                                            <p:strVal val="#ppt_h"/>
+                                          </p:val>
+                                        </p:tav>
+                                      </p:tavLst>
+                                    </p:anim>
+                                    <p:anim calcmode="lin" valueType="num">
+                                      <p:cBhvr>
+                                        <p:cTn id="8" dur="500" fill="hold"/>
+                                        <p:tgtEl>
+                                          <p:spTgt spid="4"/>
+                                        </p:tgtEl>
+                                        <p:attrNameLst>
+                                          <p:attrName>ppt_w</p:attrName>
+                                        </p:attrNameLst>
+                                      </p:cBhvr>
+                                      <p:tavLst>
+                                        <p:tav tm="0">
+                                          <p:val>
+                                            <p:strVal val="#ppt_w+.3"/>
+                                          </p:val>
+                                        </p:tav>
+                                        <p:tav tm="50000">
+                                          <p:val>
+                                            <p:strVal val="#ppt_w+.3"/>
+                                          </p:val>
+                                        </p:tav>
+                                        <p:tav tm="100000">
+                                          <p:val>
+                                            <p:strVal val="#ppt_w"/>
+                                          </p:val>
+                                        </p:tav>
+                                      </p:tavLst>
+                                    </p:anim>
+                                    <p:anim calcmode="lin" valueType="num">
+                                      <p:cBhvr>
+                                        <p:cTn id="9" dur="500" fill="hold"/>
+                                        <p:tgtEl>
+                                          <p:spTgt spid="4"/>
+                                        </p:tgtEl>
+                                        <p:attrNameLst>
+                                          <p:attrName>ppt_x</p:attrName>
+                                        </p:attrNameLst>
+                                      </p:cBhvr>
+                                      <p:tavLst>
+                                        <p:tav tm="0">
+                                          <p:val>
+                                            <p:strVal val="#ppt_x-.3"/>
+                                          </p:val>
+                                        </p:tav>
+                                        <p:tav tm="50000">
+                                          <p:val>
+                                            <p:strVal val="#ppt_x"/>
+                                          </p:val>
+                                        </p:tav>
+                                        <p:tav tm="100000">
+                                          <p:val>
+                                            <p:strVal val="#ppt_x"/>
+                                          </p:val>
+                                        </p:tav>
+                                      </p:tavLst>
+                                    </p:anim>
+                                    <p:anim calcmode="lin" valueType="num">
+                                      <p:cBhvr>
+                                        <p:cTn id="10" dur="500" fill="hold"/>
+                                        <p:tgtEl>
+                                          <p:spTgt spid="4"/>
+                                        </p:tgtEl>
+                                        <p:attrNameLst>
+                                          <p:attrName>ppt_y</p:attrName>
+                                        </p:attrNameLst>
+                                      </p:cBhvr>
+                                      <p:tavLst>
+                                        <p:tav tm="0">
+                                          <p:val>
+                                            <p:strVal val="#ppt_y"/>
+                                          </p:val>
+                                        </p:tav>
+                                        <p:tav tm="100000">
+                                          <p:val>
+                                            <p:strVal val="#ppt_y"/>
+                                          </p:val>
+                                        </p:tav>
+                                      </p:tavLst>
+                                    </p:anim>
+                                  </p:childTnLst>
+                                </p:cTn>
+                              </p:par>
+                            </p:childTnLst>
+                          </p:cTn>
+                        </p:par>
+                      </p:childTnLst>
+                    </p:cTn>
+                  </p:par>
+                  <p:par>
+                    <p:cTn id="11" fill="hold">
+                      <p:stCondLst>
+                        <p:cond delay="indefinite"/>
+                      </p:stCondLst>
+                      <p:childTnLst>
+                        <p:par>
+                          <p:cTn id="12" fill="hold">
+                            <p:stCondLst>
+                              <p:cond delay="0"/>
+                            </p:stCondLst>
+                            <p:childTnLst>
+                              <p:par>
+                                <p:cTn id="13" presetID="17" presetClass="entr" presetSubtype="4" fill="hold" nodeType="clickEffect">
+                                  <p:stCondLst>
+                                    <p:cond delay="0"/>
+                                  </p:stCondLst>
+                                  <p:childTnLst>
+                                    <p:set>
+                                      <p:cBhvr additive="base">
+                                        <p:cTn id="14" dur="500" fill="hold">
+                                          <p:stCondLst>
+                                            <p:cond delay="0"/>
+                                          </p:stCondLst>
+                                        </p:cTn>
+                                        <p:tgtEl>
+                                          <p:spTgt spid="5"/>
+                                        </p:tgtEl>
+                                        <p:attrNameLst>
+                                          <p:attrName>style.visibility</p:attrName>
+                                        </p:attrNameLst>
+                                      </p:cBhvr>
+                                      <p:to>
+                                        <p:strVal val="visible"/>
+                                      </p:to>
+                                    </p:set>
+                                    <p:anim calcmode="lin" valueType="num">
+                                      <p:cBhvr additive="base">
+                                        <p:cTn id="15" dur="500" fill="hold"/>
+                                        <p:tgtEl>
+                                          <p:spTgt spid="5"/>
+                                        </p:tgtEl>
+                                        <p:attrNameLst>
+                                          <p:attrName>ppt_x</p:attrName>
+                                        </p:attrNameLst>
+                                      </p:cBhvr>
+                                      <p:tavLst>
+                                        <p:tav tm="0" fmla="">
+                                          <p:val>
+                                            <p:strVal val="#ppt_x"/>
+                                          </p:val>
+                                        </p:tav>
+                                        <p:tav tm="100000" fmla="">
+                                          <p:val>
+                                            <p:strVal val="#ppt_x"/>
+                                          </p:val>
+                                        </p:tav>
+                                      </p:tavLst>
+                                    </p:anim>
+                                    <p:anim calcmode="lin" valueType="num">
+                                      <p:cBhvr additive="base">
+                                        <p:cTn id="16" dur="500" fill="hold"/>
+                                        <p:tgtEl>
+                                          <p:spTgt spid="5"/>
+                                        </p:tgtEl>
+                                        <p:attrNameLst>
+                                          <p:attrName>ppt_y</p:attrName>
+                                        </p:attrNameLst>
+                                      </p:cBhvr>
+                                      <p:tavLst>
+                                        <p:tav tm="0" fmla="">
+                                          <p:val>
+                                            <p:strVal val="#ppt_y+#ppt_h/2"/>
+                                          </p:val>
+                                        </p:tav>
+                                        <p:tav tm="100000" fmla="">
+                                          <p:val>
+                                            <p:strVal val="#ppt_y"/>
+                                          </p:val>
+                                        </p:tav>
+                                      </p:tavLst>
+                                    </p:anim>
+                                    <p:anim calcmode="lin" valueType="num">
+                                      <p:cBhvr additive="base">
+                                        <p:cTn id="17" dur="500" fill="hold"/>
+                                        <p:tgtEl>
+                                          <p:spTgt spid="5"/>
+                                        </p:tgtEl>
+                                        <p:attrNameLst>
+                                          <p:attrName>ppt_w</p:attrName>
+                                        </p:attrNameLst>
+                                      </p:cBhvr>
+                                      <p:tavLst>
+                                        <p:tav tm="0" fmla="">
+                                          <p:val>
+                                            <p:strVal val="#ppt_w"/>
+                                          </p:val>
+                                        </p:tav>
+                                        <p:tav tm="100000" fmla="">
+                                          <p:val>
+                                            <p:strVal val="#ppt_w"/>
+                                          </p:val>
+                                        </p:tav>
+                                      </p:tavLst>
+                                    </p:anim>
+                                    <p:anim calcmode="lin" valueType="num">
+                                      <p:cBhvr additive="base">
+                                        <p:cTn id="18" dur="500" fill="hold"/>
+                                        <p:tgtEl>
+                                          <p:spTgt spid="5"/>
+                                        </p:tgtEl>
+                                        <p:attrNameLst>
+                                          <p:attrName>ppt_h</p:attrName>
+                                        </p:attrNameLst>
+                                      </p:cBhvr>
+                                      <p:tavLst>
+                                        <p:tav tm="0" fmla="">
+                                          <p:val>
+                                            <p:fltVal val="0.000000"/>
+                                          </p:val>
+                                        </p:tav>
+                                        <p:tav tm="100000" fmla="">
+                                          <p:val>
+                                            <p:strVal val="#ppt_h"/>
+                                          </p:val>
+                                        </p:tav>
+                                      </p:tavLst>
+                                    </p:anim>
+                                  </p:childTnLst>
+                                </p:cTn>
+                              </p:par>
+                            </p:childTnLst>
+                          </p:cTn>
+                        </p:par>
+                      </p:childTnLst>
+                    </p:cTn>
+                  </p:par>
+                </p:childTnLst>
+              </p:cTn>
+              <p:prevCondLst>
+                <p:cond evt="onPrev" delay="0">
+                  <p:tgtEl>
+                    <p:sldTgt/>
+                  </p:tgtEl>
+                </p:cond>
+              </p:prevCondLst>
+              <p:nextCondLst>
+                <p:cond evt="onNext" delay="0">
+                  <p:tgtEl>
+                    <p:sldTgt/>
+                  </p:tgtEl>
+                </p:cond>
+              </p:nextCondLst>
+            </p:seq>
+          </p:childTnLst>
+        </p:cTn>
+      </p:par>
+    </p:tnLst>
+    <p:bldLst>
+      <p:bldP spid="4" grpId="1"/>
+      <p:bldP spid="4" grpId="3"/>
+      <p:bldP spid="4" grpId="4"/>
+      <p:bldP spid="4" grpId="5"/>
+    </p:bldLst>
+  </p:timing>
+</p:sld>
+</file>
+
+<file path=ppt/slides/slide3.xml><?xml version="1.0" encoding="utf-8"?>
+<p:sld xmlns:a="http://schemas.openxmlformats.org/drawingml/2006/main" xmlns:r="http://schemas.openxmlformats.org/officeDocument/2006/relationships" xmlns:p="http://schemas.openxmlformats.org/presentationml/2006/main">
+  <p:cSld>
+    <p:spTree>
+      <p:nvGrpSpPr>
+        <p:cNvPr id="1" name=""/>
+        <p:cNvGrpSpPr/>
+        <p:nvPr/>
+      </p:nvGrpSpPr>
+      <p:grpSpPr/>
+      <p:sp>
+        <p:nvSpPr>
           <p:cNvPr id="2" name="Content Placeholder 1"/>
           <p:cNvSpPr>
             <a:spLocks noGrp="1"/>
@@ -4628,420 +5042,6 @@
     <p:bldLst>
       <p:bldP spid="4" grpId="0"/>
       <p:bldP spid="4" grpId="1"/>
-    </p:bldLst>
-  </p:timing>
-</p:sld>
-</file>
-
-<file path=ppt/slides/slide3.xml><?xml version="1.0" encoding="utf-8"?>
-<p:sld xmlns:a="http://schemas.openxmlformats.org/drawingml/2006/main" xmlns:r="http://schemas.openxmlformats.org/officeDocument/2006/relationships" xmlns:p="http://schemas.openxmlformats.org/presentationml/2006/main">
-  <p:cSld>
-    <p:spTree>
-      <p:nvGrpSpPr>
-        <p:cNvPr id="1" name=""/>
-        <p:cNvGrpSpPr/>
-        <p:nvPr/>
-      </p:nvGrpSpPr>
-      <p:grpSpPr/>
-      <p:sp>
-        <p:nvSpPr>
-          <p:cNvPr id="3" name="Text Placeholder 2"/>
-          <p:cNvSpPr>
-            <a:spLocks noGrp="1"/>
-          </p:cNvSpPr>
-          <p:nvPr>
-            <p:ph type="body" sz="quarter" idx="10"/>
-          </p:nvPr>
-        </p:nvSpPr>
-        <p:spPr/>
-        <p:txBody>
-          <a:bodyPr/>
-          <a:p>
-            <a:endParaRPr lang="en-US"/>
-          </a:p>
-        </p:txBody>
-      </p:sp>
-      <p:sp>
-        <p:nvSpPr>
-          <p:cNvPr id="4" name="Title 3"/>
-          <p:cNvSpPr>
-            <a:spLocks noGrp="1"/>
-          </p:cNvSpPr>
-          <p:nvPr>
-            <p:ph type="title"/>
-          </p:nvPr>
-        </p:nvSpPr>
-        <p:spPr/>
-        <p:txBody>
-          <a:bodyPr>
-            <a:noAutofit/>
-          </a:bodyPr>
-          <a:p>
-            <a:r>
-              <a:rPr lang="en-US" sz="2800"/>
-              <a:t>Entity Relationship Diagram</a:t>
-            </a:r>
-            <a:endParaRPr lang="en-US" sz="2800"/>
-          </a:p>
-        </p:txBody>
-      </p:sp>
-      <p:pic>
-        <p:nvPicPr>
-          <p:cNvPr id="5" name="Content Placeholder 4" descr="Basketball Team Management.drawio"/>
-          <p:cNvPicPr>
-            <a:picLocks noChangeAspect="1"/>
-          </p:cNvPicPr>
-          <p:nvPr>
-            <p:ph idx="1"/>
-          </p:nvPr>
-        </p:nvPicPr>
-        <p:blipFill>
-          <a:blip r:embed="rId1"/>
-          <a:stretch>
-            <a:fillRect/>
-          </a:stretch>
-        </p:blipFill>
-        <p:spPr>
-          <a:xfrm>
-            <a:off x="-1270" y="0"/>
-            <a:ext cx="9145270" cy="5715000"/>
-          </a:xfrm>
-          <a:prstGeom prst="rect">
-            <a:avLst/>
-          </a:prstGeom>
-        </p:spPr>
-      </p:pic>
-    </p:spTree>
-  </p:cSld>
-  <p:clrMapOvr>
-    <a:masterClrMapping/>
-  </p:clrMapOvr>
-  <p:timing>
-    <p:tnLst>
-      <p:par>
-        <p:cTn id="1" dur="indefinite" restart="never" nodeType="tmRoot">
-          <p:childTnLst>
-            <p:seq concurrent="1" nextAc="seek">
-              <p:cTn id="2" dur="indefinite" nodeType="mainSeq">
-                <p:childTnLst>
-                  <p:par>
-                    <p:cTn id="3" fill="hold">
-                      <p:stCondLst>
-                        <p:cond delay="indefinite"/>
-                        <p:cond evt="onBegin" delay="0">
-                          <p:tn val="2"/>
-                        </p:cond>
-                      </p:stCondLst>
-                      <p:childTnLst>
-                        <p:par>
-                          <p:cTn id="4" fill="hold">
-                            <p:stCondLst>
-                              <p:cond delay="0"/>
-                            </p:stCondLst>
-                            <p:childTnLst>
-                              <p:par>
-                                <p:cTn id="5" presetID="39" presetClass="entr" presetSubtype="0" accel="100000" fill="hold" grpId="4" nodeType="afterEffect">
-                                  <p:stCondLst>
-                                    <p:cond delay="0"/>
-                                  </p:stCondLst>
-                                  <p:childTnLst>
-                                    <p:set>
-                                      <p:cBhvr>
-                                        <p:cTn id="6" dur="1" fill="hold">
-                                          <p:stCondLst>
-                                            <p:cond delay="0"/>
-                                          </p:stCondLst>
-                                        </p:cTn>
-                                        <p:tgtEl>
-                                          <p:spTgt spid="4"/>
-                                        </p:tgtEl>
-                                        <p:attrNameLst>
-                                          <p:attrName>style.visibility</p:attrName>
-                                        </p:attrNameLst>
-                                      </p:cBhvr>
-                                      <p:to>
-                                        <p:strVal val="visible"/>
-                                      </p:to>
-                                    </p:set>
-                                    <p:anim calcmode="lin" valueType="num">
-                                      <p:cBhvr>
-                                        <p:cTn id="7" dur="500" fill="hold"/>
-                                        <p:tgtEl>
-                                          <p:spTgt spid="4"/>
-                                        </p:tgtEl>
-                                        <p:attrNameLst>
-                                          <p:attrName>ppt_h</p:attrName>
-                                        </p:attrNameLst>
-                                      </p:cBhvr>
-                                      <p:tavLst>
-                                        <p:tav tm="0">
-                                          <p:val>
-                                            <p:strVal val="#ppt_h/20"/>
-                                          </p:val>
-                                        </p:tav>
-                                        <p:tav tm="50000">
-                                          <p:val>
-                                            <p:strVal val="#ppt_h/20"/>
-                                          </p:val>
-                                        </p:tav>
-                                        <p:tav tm="100000">
-                                          <p:val>
-                                            <p:strVal val="#ppt_h"/>
-                                          </p:val>
-                                        </p:tav>
-                                      </p:tavLst>
-                                    </p:anim>
-                                    <p:anim calcmode="lin" valueType="num">
-                                      <p:cBhvr>
-                                        <p:cTn id="8" dur="500" fill="hold"/>
-                                        <p:tgtEl>
-                                          <p:spTgt spid="4"/>
-                                        </p:tgtEl>
-                                        <p:attrNameLst>
-                                          <p:attrName>ppt_w</p:attrName>
-                                        </p:attrNameLst>
-                                      </p:cBhvr>
-                                      <p:tavLst>
-                                        <p:tav tm="0">
-                                          <p:val>
-                                            <p:strVal val="#ppt_w+.3"/>
-                                          </p:val>
-                                        </p:tav>
-                                        <p:tav tm="50000">
-                                          <p:val>
-                                            <p:strVal val="#ppt_w+.3"/>
-                                          </p:val>
-                                        </p:tav>
-                                        <p:tav tm="100000">
-                                          <p:val>
-                                            <p:strVal val="#ppt_w"/>
-                                          </p:val>
-                                        </p:tav>
-                                      </p:tavLst>
-                                    </p:anim>
-                                    <p:anim calcmode="lin" valueType="num">
-                                      <p:cBhvr>
-                                        <p:cTn id="9" dur="500" fill="hold"/>
-                                        <p:tgtEl>
-                                          <p:spTgt spid="4"/>
-                                        </p:tgtEl>
-                                        <p:attrNameLst>
-                                          <p:attrName>ppt_x</p:attrName>
-                                        </p:attrNameLst>
-                                      </p:cBhvr>
-                                      <p:tavLst>
-                                        <p:tav tm="0">
-                                          <p:val>
-                                            <p:strVal val="#ppt_x-.3"/>
-                                          </p:val>
-                                        </p:tav>
-                                        <p:tav tm="50000">
-                                          <p:val>
-                                            <p:strVal val="#ppt_x"/>
-                                          </p:val>
-                                        </p:tav>
-                                        <p:tav tm="100000">
-                                          <p:val>
-                                            <p:strVal val="#ppt_x"/>
-                                          </p:val>
-                                        </p:tav>
-                                      </p:tavLst>
-                                    </p:anim>
-                                    <p:anim calcmode="lin" valueType="num">
-                                      <p:cBhvr>
-                                        <p:cTn id="10" dur="500" fill="hold"/>
-                                        <p:tgtEl>
-                                          <p:spTgt spid="4"/>
-                                        </p:tgtEl>
-                                        <p:attrNameLst>
-                                          <p:attrName>ppt_y</p:attrName>
-                                        </p:attrNameLst>
-                                      </p:cBhvr>
-                                      <p:tavLst>
-                                        <p:tav tm="0">
-                                          <p:val>
-                                            <p:strVal val="#ppt_y"/>
-                                          </p:val>
-                                        </p:tav>
-                                        <p:tav tm="100000">
-                                          <p:val>
-                                            <p:strVal val="#ppt_y"/>
-                                          </p:val>
-                                        </p:tav>
-                                      </p:tavLst>
-                                    </p:anim>
-                                  </p:childTnLst>
-                                </p:cTn>
-                              </p:par>
-                            </p:childTnLst>
-                          </p:cTn>
-                        </p:par>
-                      </p:childTnLst>
-                    </p:cTn>
-                  </p:par>
-                  <p:par>
-                    <p:cTn id="11" fill="hold">
-                      <p:stCondLst>
-                        <p:cond delay="indefinite"/>
-                      </p:stCondLst>
-                      <p:childTnLst>
-                        <p:par>
-                          <p:cTn id="12" fill="hold">
-                            <p:stCondLst>
-                              <p:cond delay="0"/>
-                            </p:stCondLst>
-                            <p:childTnLst>
-                              <p:par>
-                                <p:cTn id="13" presetID="17" presetClass="entr" presetSubtype="4" fill="hold" nodeType="clickEffect">
-                                  <p:stCondLst>
-                                    <p:cond delay="0"/>
-                                  </p:stCondLst>
-                                  <p:childTnLst>
-                                    <p:set>
-                                      <p:cBhvr additive="base">
-                                        <p:cTn id="14" dur="500" fill="hold">
-                                          <p:stCondLst>
-                                            <p:cond delay="0"/>
-                                          </p:stCondLst>
-                                        </p:cTn>
-                                        <p:tgtEl>
-                                          <p:spTgt spid="5"/>
-                                        </p:tgtEl>
-                                        <p:attrNameLst>
-                                          <p:attrName>style.visibility</p:attrName>
-                                        </p:attrNameLst>
-                                      </p:cBhvr>
-                                      <p:to>
-                                        <p:strVal val="visible"/>
-                                      </p:to>
-                                    </p:set>
-                                    <p:anim calcmode="lin" valueType="num">
-                                      <p:cBhvr additive="base">
-                                        <p:cTn id="15" dur="500" fill="hold"/>
-                                        <p:tgtEl>
-                                          <p:spTgt spid="5"/>
-                                        </p:tgtEl>
-                                        <p:attrNameLst>
-                                          <p:attrName>ppt_x</p:attrName>
-                                        </p:attrNameLst>
-                                      </p:cBhvr>
-                                      <p:tavLst>
-                                        <p:tav tm="0" fmla="">
-                                          <p:val>
-                                            <p:strVal val="#ppt_x"/>
-                                          </p:val>
-                                        </p:tav>
-                                        <p:tav tm="100000" fmla="">
-                                          <p:val>
-                                            <p:strVal val="#ppt_x"/>
-                                          </p:val>
-                                        </p:tav>
-                                      </p:tavLst>
-                                    </p:anim>
-                                    <p:anim calcmode="lin" valueType="num">
-                                      <p:cBhvr additive="base">
-                                        <p:cTn id="16" dur="500" fill="hold"/>
-                                        <p:tgtEl>
-                                          <p:spTgt spid="5"/>
-                                        </p:tgtEl>
-                                        <p:attrNameLst>
-                                          <p:attrName>ppt_y</p:attrName>
-                                        </p:attrNameLst>
-                                      </p:cBhvr>
-                                      <p:tavLst>
-                                        <p:tav tm="0" fmla="">
-                                          <p:val>
-                                            <p:strVal val="#ppt_y+#ppt_h/2"/>
-                                          </p:val>
-                                        </p:tav>
-                                        <p:tav tm="100000" fmla="">
-                                          <p:val>
-                                            <p:strVal val="#ppt_y"/>
-                                          </p:val>
-                                        </p:tav>
-                                      </p:tavLst>
-                                    </p:anim>
-                                    <p:anim calcmode="lin" valueType="num">
-                                      <p:cBhvr additive="base">
-                                        <p:cTn id="17" dur="500" fill="hold"/>
-                                        <p:tgtEl>
-                                          <p:spTgt spid="5"/>
-                                        </p:tgtEl>
-                                        <p:attrNameLst>
-                                          <p:attrName>ppt_w</p:attrName>
-                                        </p:attrNameLst>
-                                      </p:cBhvr>
-                                      <p:tavLst>
-                                        <p:tav tm="0" fmla="">
-                                          <p:val>
-                                            <p:strVal val="#ppt_w"/>
-                                          </p:val>
-                                        </p:tav>
-                                        <p:tav tm="100000" fmla="">
-                                          <p:val>
-                                            <p:strVal val="#ppt_w"/>
-                                          </p:val>
-                                        </p:tav>
-                                      </p:tavLst>
-                                    </p:anim>
-                                    <p:anim calcmode="lin" valueType="num">
-                                      <p:cBhvr additive="base">
-                                        <p:cTn id="18" dur="500" fill="hold"/>
-                                        <p:tgtEl>
-                                          <p:spTgt spid="5"/>
-                                        </p:tgtEl>
-                                        <p:attrNameLst>
-                                          <p:attrName>ppt_h</p:attrName>
-                                        </p:attrNameLst>
-                                      </p:cBhvr>
-                                      <p:tavLst>
-                                        <p:tav tm="0" fmla="">
-                                          <p:val>
-                                            <p:fltVal val="0.000000"/>
-                                          </p:val>
-                                        </p:tav>
-                                        <p:tav tm="100000" fmla="">
-                                          <p:val>
-                                            <p:strVal val="#ppt_h"/>
-                                          </p:val>
-                                        </p:tav>
-                                      </p:tavLst>
-                                    </p:anim>
-                                  </p:childTnLst>
-                                </p:cTn>
-                              </p:par>
-                            </p:childTnLst>
-                          </p:cTn>
-                        </p:par>
-                      </p:childTnLst>
-                    </p:cTn>
-                  </p:par>
-                </p:childTnLst>
-              </p:cTn>
-              <p:prevCondLst>
-                <p:cond evt="onPrev" delay="0">
-                  <p:tgtEl>
-                    <p:sldTgt/>
-                  </p:tgtEl>
-                </p:cond>
-              </p:prevCondLst>
-              <p:nextCondLst>
-                <p:cond evt="onNext" delay="0">
-                  <p:tgtEl>
-                    <p:sldTgt/>
-                  </p:tgtEl>
-                </p:cond>
-              </p:nextCondLst>
-            </p:seq>
-          </p:childTnLst>
-        </p:cTn>
-      </p:par>
-    </p:tnLst>
-    <p:bldLst>
-      <p:bldP spid="4" grpId="1"/>
-      <p:bldP spid="4" grpId="3"/>
-      <p:bldP spid="4" grpId="4"/>
-      <p:bldP spid="4" grpId="5"/>
     </p:bldLst>
   </p:timing>
 </p:sld>
